--- a/7. WebServices/PPT/Introduction New.pptx
+++ b/7. WebServices/PPT/Introduction New.pptx
@@ -5,14 +5,22 @@
     <p:sldMasterId id="2147483648" r:id="rId1"/>
   </p:sldMasterIdLst>
   <p:sldIdLst>
-    <p:sldId id="260" r:id="rId2"/>
-    <p:sldId id="268" r:id="rId3"/>
-    <p:sldId id="269" r:id="rId4"/>
-    <p:sldId id="261" r:id="rId5"/>
-    <p:sldId id="270" r:id="rId6"/>
-    <p:sldId id="264" r:id="rId7"/>
-    <p:sldId id="263" r:id="rId8"/>
-    <p:sldId id="271" r:id="rId9"/>
+    <p:sldId id="278" r:id="rId2"/>
+    <p:sldId id="279" r:id="rId3"/>
+    <p:sldId id="268" r:id="rId4"/>
+    <p:sldId id="269" r:id="rId5"/>
+    <p:sldId id="261" r:id="rId6"/>
+    <p:sldId id="270" r:id="rId7"/>
+    <p:sldId id="272" r:id="rId8"/>
+    <p:sldId id="273" r:id="rId9"/>
+    <p:sldId id="260" r:id="rId10"/>
+    <p:sldId id="271" r:id="rId11"/>
+    <p:sldId id="276" r:id="rId12"/>
+    <p:sldId id="264" r:id="rId13"/>
+    <p:sldId id="263" r:id="rId14"/>
+    <p:sldId id="274" r:id="rId15"/>
+    <p:sldId id="275" r:id="rId16"/>
+    <p:sldId id="277" r:id="rId17"/>
   </p:sldIdLst>
   <p:sldSz cx="12192000" cy="6858000"/>
   <p:notesSz cx="6858000" cy="9144000"/>
@@ -245,7 +253,7 @@
           <a:p>
             <a:fld id="{8E36B63D-3B6E-44E8-915B-85DCBC06BE1D}" type="datetimeFigureOut">
               <a:rPr lang="en-US" smtClean="0"/>
-              <a:t>1/6/2017</a:t>
+              <a:t>11/9/2017</a:t>
             </a:fld>
             <a:endParaRPr lang="en-US"/>
           </a:p>
@@ -415,7 +423,7 @@
           <a:p>
             <a:fld id="{8E36B63D-3B6E-44E8-915B-85DCBC06BE1D}" type="datetimeFigureOut">
               <a:rPr lang="en-US" smtClean="0"/>
-              <a:t>1/6/2017</a:t>
+              <a:t>11/9/2017</a:t>
             </a:fld>
             <a:endParaRPr lang="en-US"/>
           </a:p>
@@ -595,7 +603,7 @@
           <a:p>
             <a:fld id="{8E36B63D-3B6E-44E8-915B-85DCBC06BE1D}" type="datetimeFigureOut">
               <a:rPr lang="en-US" smtClean="0"/>
-              <a:t>1/6/2017</a:t>
+              <a:t>11/9/2017</a:t>
             </a:fld>
             <a:endParaRPr lang="en-US"/>
           </a:p>
@@ -765,7 +773,7 @@
           <a:p>
             <a:fld id="{8E36B63D-3B6E-44E8-915B-85DCBC06BE1D}" type="datetimeFigureOut">
               <a:rPr lang="en-US" smtClean="0"/>
-              <a:t>1/6/2017</a:t>
+              <a:t>11/9/2017</a:t>
             </a:fld>
             <a:endParaRPr lang="en-US"/>
           </a:p>
@@ -1011,7 +1019,7 @@
           <a:p>
             <a:fld id="{8E36B63D-3B6E-44E8-915B-85DCBC06BE1D}" type="datetimeFigureOut">
               <a:rPr lang="en-US" smtClean="0"/>
-              <a:t>1/6/2017</a:t>
+              <a:t>11/9/2017</a:t>
             </a:fld>
             <a:endParaRPr lang="en-US"/>
           </a:p>
@@ -1243,7 +1251,7 @@
           <a:p>
             <a:fld id="{8E36B63D-3B6E-44E8-915B-85DCBC06BE1D}" type="datetimeFigureOut">
               <a:rPr lang="en-US" smtClean="0"/>
-              <a:t>1/6/2017</a:t>
+              <a:t>11/9/2017</a:t>
             </a:fld>
             <a:endParaRPr lang="en-US"/>
           </a:p>
@@ -1610,7 +1618,7 @@
           <a:p>
             <a:fld id="{8E36B63D-3B6E-44E8-915B-85DCBC06BE1D}" type="datetimeFigureOut">
               <a:rPr lang="en-US" smtClean="0"/>
-              <a:t>1/6/2017</a:t>
+              <a:t>11/9/2017</a:t>
             </a:fld>
             <a:endParaRPr lang="en-US"/>
           </a:p>
@@ -1728,7 +1736,7 @@
           <a:p>
             <a:fld id="{8E36B63D-3B6E-44E8-915B-85DCBC06BE1D}" type="datetimeFigureOut">
               <a:rPr lang="en-US" smtClean="0"/>
-              <a:t>1/6/2017</a:t>
+              <a:t>11/9/2017</a:t>
             </a:fld>
             <a:endParaRPr lang="en-US"/>
           </a:p>
@@ -1823,7 +1831,7 @@
           <a:p>
             <a:fld id="{8E36B63D-3B6E-44E8-915B-85DCBC06BE1D}" type="datetimeFigureOut">
               <a:rPr lang="en-US" smtClean="0"/>
-              <a:t>1/6/2017</a:t>
+              <a:t>11/9/2017</a:t>
             </a:fld>
             <a:endParaRPr lang="en-US"/>
           </a:p>
@@ -2100,7 +2108,7 @@
           <a:p>
             <a:fld id="{8E36B63D-3B6E-44E8-915B-85DCBC06BE1D}" type="datetimeFigureOut">
               <a:rPr lang="en-US" smtClean="0"/>
-              <a:t>1/6/2017</a:t>
+              <a:t>11/9/2017</a:t>
             </a:fld>
             <a:endParaRPr lang="en-US"/>
           </a:p>
@@ -2353,7 +2361,7 @@
           <a:p>
             <a:fld id="{8E36B63D-3B6E-44E8-915B-85DCBC06BE1D}" type="datetimeFigureOut">
               <a:rPr lang="en-US" smtClean="0"/>
-              <a:t>1/6/2017</a:t>
+              <a:t>11/9/2017</a:t>
             </a:fld>
             <a:endParaRPr lang="en-US"/>
           </a:p>
@@ -2566,7 +2574,7 @@
           <a:p>
             <a:fld id="{8E36B63D-3B6E-44E8-915B-85DCBC06BE1D}" type="datetimeFigureOut">
               <a:rPr lang="en-US" smtClean="0"/>
-              <a:t>1/6/2017</a:t>
+              <a:t>11/9/2017</a:t>
             </a:fld>
             <a:endParaRPr lang="en-US"/>
           </a:p>
@@ -2971,6 +2979,113 @@
           <a:chExt cx="0" cy="0"/>
         </a:xfrm>
       </p:grpSpPr>
+      <p:sp>
+        <p:nvSpPr>
+          <p:cNvPr id="4" name="Rectangle 3"/>
+          <p:cNvSpPr/>
+          <p:nvPr/>
+        </p:nvSpPr>
+        <p:spPr>
+          <a:xfrm>
+            <a:off x="0" y="1339402"/>
+            <a:ext cx="12192000" cy="2862322"/>
+          </a:xfrm>
+          <a:prstGeom prst="rect">
+            <a:avLst/>
+          </a:prstGeom>
+        </p:spPr>
+        <p:txBody>
+          <a:bodyPr wrap="square">
+            <a:spAutoFit/>
+          </a:bodyPr>
+          <a:lstStyle/>
+          <a:p>
+            <a:pPr marL="1143000" indent="-1143000">
+              <a:buFont typeface="+mj-lt"/>
+              <a:buAutoNum type="arabicPeriod"/>
+            </a:pPr>
+            <a:r>
+              <a:rPr lang="en-IN" sz="6000" dirty="0" smtClean="0">
+                <a:solidFill>
+                  <a:schemeClr val="bg1">
+                    <a:lumMod val="50000"/>
+                  </a:schemeClr>
+                </a:solidFill>
+                <a:effectLst>
+                  <a:outerShdw blurRad="50902" dist="38494" dir="13500000" sx="0" sy="0">
+                    <a:srgbClr val="000000">
+                      <a:alpha val="60000"/>
+                    </a:srgbClr>
+                  </a:outerShdw>
+                </a:effectLst>
+                <a:latin typeface="Book Antiqua" pitchFamily="18" charset="0"/>
+              </a:rPr>
+              <a:t>What the f**k Web Services</a:t>
+            </a:r>
+          </a:p>
+          <a:p>
+            <a:pPr marL="1143000" indent="-1143000">
+              <a:buFont typeface="+mj-lt"/>
+              <a:buAutoNum type="arabicPeriod"/>
+            </a:pPr>
+            <a:r>
+              <a:rPr lang="en-IN" sz="6000" dirty="0" smtClean="0">
+                <a:solidFill>
+                  <a:schemeClr val="bg1">
+                    <a:lumMod val="50000"/>
+                  </a:schemeClr>
+                </a:solidFill>
+                <a:effectLst>
+                  <a:outerShdw blurRad="50902" dist="38494" dir="13500000" sx="0" sy="0">
+                    <a:srgbClr val="000000">
+                      <a:alpha val="60000"/>
+                    </a:srgbClr>
+                  </a:outerShdw>
+                </a:effectLst>
+                <a:latin typeface="Book Antiqua" pitchFamily="18" charset="0"/>
+              </a:rPr>
+              <a:t>Why the hell I need to learn Web Services</a:t>
+            </a:r>
+          </a:p>
+        </p:txBody>
+      </p:sp>
+    </p:spTree>
+    <p:extLst>
+      <p:ext uri="{BB962C8B-B14F-4D97-AF65-F5344CB8AC3E}">
+        <p14:creationId xmlns:p14="http://schemas.microsoft.com/office/powerpoint/2010/main" val="1234426304"/>
+      </p:ext>
+    </p:extLst>
+  </p:cSld>
+  <p:clrMapOvr>
+    <a:masterClrMapping/>
+  </p:clrMapOvr>
+  <p:timing>
+    <p:tnLst>
+      <p:par>
+        <p:cTn id="1" dur="indefinite" restart="never" nodeType="tmRoot"/>
+      </p:par>
+    </p:tnLst>
+  </p:timing>
+</p:sld>
+</file>
+
+<file path=ppt/slides/slide10.xml><?xml version="1.0" encoding="utf-8"?>
+<p:sld xmlns:a="http://schemas.openxmlformats.org/drawingml/2006/main" xmlns:r="http://schemas.openxmlformats.org/officeDocument/2006/relationships" xmlns:p="http://schemas.openxmlformats.org/presentationml/2006/main">
+  <p:cSld>
+    <p:spTree>
+      <p:nvGrpSpPr>
+        <p:cNvPr id="1" name=""/>
+        <p:cNvGrpSpPr/>
+        <p:nvPr/>
+      </p:nvGrpSpPr>
+      <p:grpSpPr>
+        <a:xfrm>
+          <a:off x="0" y="0"/>
+          <a:ext cx="0" cy="0"/>
+          <a:chOff x="0" y="0"/>
+          <a:chExt cx="0" cy="0"/>
+        </a:xfrm>
+      </p:grpSpPr>
       <p:pic>
         <p:nvPicPr>
           <p:cNvPr id="6" name="Picture 5"/>
@@ -2987,8 +3102,8 @@
         </p:blipFill>
         <p:spPr>
           <a:xfrm>
-            <a:off x="334850" y="12879"/>
-            <a:ext cx="11493992" cy="6462215"/>
+            <a:off x="309094" y="161645"/>
+            <a:ext cx="11578106" cy="6509506"/>
           </a:xfrm>
           <a:prstGeom prst="rect">
             <a:avLst/>
@@ -2998,7 +3113,650 @@
     </p:spTree>
     <p:extLst>
       <p:ext uri="{BB962C8B-B14F-4D97-AF65-F5344CB8AC3E}">
-        <p14:creationId xmlns:p14="http://schemas.microsoft.com/office/powerpoint/2010/main" val="579267650"/>
+        <p14:creationId xmlns:p14="http://schemas.microsoft.com/office/powerpoint/2010/main" val="3020453942"/>
+      </p:ext>
+    </p:extLst>
+  </p:cSld>
+  <p:clrMapOvr>
+    <a:masterClrMapping/>
+  </p:clrMapOvr>
+  <p:timing>
+    <p:tnLst>
+      <p:par>
+        <p:cTn id="1" dur="indefinite" restart="never" nodeType="tmRoot"/>
+      </p:par>
+    </p:tnLst>
+  </p:timing>
+</p:sld>
+</file>
+
+<file path=ppt/slides/slide11.xml><?xml version="1.0" encoding="utf-8"?>
+<p:sld xmlns:a="http://schemas.openxmlformats.org/drawingml/2006/main" xmlns:r="http://schemas.openxmlformats.org/officeDocument/2006/relationships" xmlns:p="http://schemas.openxmlformats.org/presentationml/2006/main">
+  <p:cSld>
+    <p:spTree>
+      <p:nvGrpSpPr>
+        <p:cNvPr id="1" name=""/>
+        <p:cNvGrpSpPr/>
+        <p:nvPr/>
+      </p:nvGrpSpPr>
+      <p:grpSpPr>
+        <a:xfrm>
+          <a:off x="0" y="0"/>
+          <a:ext cx="0" cy="0"/>
+          <a:chOff x="0" y="0"/>
+          <a:chExt cx="0" cy="0"/>
+        </a:xfrm>
+      </p:grpSpPr>
+      <p:sp>
+        <p:nvSpPr>
+          <p:cNvPr id="4" name="Rectangle 3"/>
+          <p:cNvSpPr/>
+          <p:nvPr/>
+        </p:nvSpPr>
+        <p:spPr>
+          <a:xfrm>
+            <a:off x="0" y="1339402"/>
+            <a:ext cx="12192000" cy="3785652"/>
+          </a:xfrm>
+          <a:prstGeom prst="rect">
+            <a:avLst/>
+          </a:prstGeom>
+        </p:spPr>
+        <p:txBody>
+          <a:bodyPr wrap="square">
+            <a:spAutoFit/>
+          </a:bodyPr>
+          <a:lstStyle/>
+          <a:p>
+            <a:pPr algn="ctr"/>
+            <a:r>
+              <a:rPr lang="en-IN" sz="6000" dirty="0" smtClean="0">
+                <a:solidFill>
+                  <a:schemeClr val="bg1">
+                    <a:lumMod val="50000"/>
+                  </a:schemeClr>
+                </a:solidFill>
+                <a:effectLst>
+                  <a:outerShdw blurRad="50902" dist="38494" dir="13500000" sx="0" sy="0">
+                    <a:srgbClr val="000000">
+                      <a:alpha val="60000"/>
+                    </a:srgbClr>
+                  </a:outerShdw>
+                </a:effectLst>
+                <a:latin typeface="Book Antiqua" pitchFamily="18" charset="0"/>
+              </a:rPr>
+              <a:t>Web Applications are opening communication channels </a:t>
+            </a:r>
+          </a:p>
+          <a:p>
+            <a:pPr algn="ctr"/>
+            <a:r>
+              <a:rPr lang="en-IN" sz="6000" dirty="0" smtClean="0">
+                <a:solidFill>
+                  <a:schemeClr val="bg1">
+                    <a:lumMod val="50000"/>
+                  </a:schemeClr>
+                </a:solidFill>
+                <a:effectLst>
+                  <a:outerShdw blurRad="50902" dist="38494" dir="13500000" sx="0" sy="0">
+                    <a:srgbClr val="000000">
+                      <a:alpha val="60000"/>
+                    </a:srgbClr>
+                  </a:outerShdw>
+                </a:effectLst>
+                <a:latin typeface="Book Antiqua" pitchFamily="18" charset="0"/>
+              </a:rPr>
+              <a:t>(via REST APIs) </a:t>
+            </a:r>
+          </a:p>
+          <a:p>
+            <a:pPr algn="ctr"/>
+            <a:r>
+              <a:rPr lang="en-IN" sz="6000" dirty="0" smtClean="0">
+                <a:solidFill>
+                  <a:schemeClr val="bg1">
+                    <a:lumMod val="50000"/>
+                  </a:schemeClr>
+                </a:solidFill>
+                <a:effectLst>
+                  <a:outerShdw blurRad="50902" dist="38494" dir="13500000" sx="0" sy="0">
+                    <a:srgbClr val="000000">
+                      <a:alpha val="60000"/>
+                    </a:srgbClr>
+                  </a:outerShdw>
+                </a:effectLst>
+                <a:latin typeface="Book Antiqua" pitchFamily="18" charset="0"/>
+              </a:rPr>
+              <a:t>which brings </a:t>
+            </a:r>
+            <a:r>
+              <a:rPr lang="en-IN" sz="6000" b="1" u="sng" dirty="0" smtClean="0">
+                <a:solidFill>
+                  <a:schemeClr val="bg1">
+                    <a:lumMod val="50000"/>
+                  </a:schemeClr>
+                </a:solidFill>
+                <a:effectLst>
+                  <a:outerShdw blurRad="50902" dist="38494" dir="13500000" sx="0" sy="0">
+                    <a:srgbClr val="000000">
+                      <a:alpha val="60000"/>
+                    </a:srgbClr>
+                  </a:outerShdw>
+                </a:effectLst>
+                <a:latin typeface="Book Antiqua" pitchFamily="18" charset="0"/>
+              </a:rPr>
+              <a:t>extra Business </a:t>
+            </a:r>
+            <a:r>
+              <a:rPr lang="en-IN" sz="6000" dirty="0" smtClean="0">
+                <a:solidFill>
+                  <a:schemeClr val="bg1">
+                    <a:lumMod val="50000"/>
+                  </a:schemeClr>
+                </a:solidFill>
+                <a:effectLst>
+                  <a:outerShdw blurRad="50902" dist="38494" dir="13500000" sx="0" sy="0">
+                    <a:srgbClr val="000000">
+                      <a:alpha val="60000"/>
+                    </a:srgbClr>
+                  </a:outerShdw>
+                </a:effectLst>
+                <a:latin typeface="Book Antiqua" pitchFamily="18" charset="0"/>
+              </a:rPr>
+              <a:t>!!!</a:t>
+            </a:r>
+            <a:endParaRPr lang="en-IN" sz="6000" dirty="0">
+              <a:solidFill>
+                <a:schemeClr val="bg1">
+                  <a:lumMod val="50000"/>
+                </a:schemeClr>
+              </a:solidFill>
+              <a:latin typeface="Book Antiqua" pitchFamily="18" charset="0"/>
+            </a:endParaRPr>
+          </a:p>
+        </p:txBody>
+      </p:sp>
+    </p:spTree>
+    <p:extLst>
+      <p:ext uri="{BB962C8B-B14F-4D97-AF65-F5344CB8AC3E}">
+        <p14:creationId xmlns:p14="http://schemas.microsoft.com/office/powerpoint/2010/main" val="1170914106"/>
+      </p:ext>
+    </p:extLst>
+  </p:cSld>
+  <p:clrMapOvr>
+    <a:masterClrMapping/>
+  </p:clrMapOvr>
+  <p:timing>
+    <p:tnLst>
+      <p:par>
+        <p:cTn id="1" dur="indefinite" restart="never" nodeType="tmRoot"/>
+      </p:par>
+    </p:tnLst>
+  </p:timing>
+</p:sld>
+</file>
+
+<file path=ppt/slides/slide12.xml><?xml version="1.0" encoding="utf-8"?>
+<p:sld xmlns:a="http://schemas.openxmlformats.org/drawingml/2006/main" xmlns:r="http://schemas.openxmlformats.org/officeDocument/2006/relationships" xmlns:p="http://schemas.openxmlformats.org/presentationml/2006/main">
+  <p:cSld>
+    <p:spTree>
+      <p:nvGrpSpPr>
+        <p:cNvPr id="1" name=""/>
+        <p:cNvGrpSpPr/>
+        <p:nvPr/>
+      </p:nvGrpSpPr>
+      <p:grpSpPr>
+        <a:xfrm>
+          <a:off x="0" y="0"/>
+          <a:ext cx="0" cy="0"/>
+          <a:chOff x="0" y="0"/>
+          <a:chExt cx="0" cy="0"/>
+        </a:xfrm>
+      </p:grpSpPr>
+      <p:pic>
+        <p:nvPicPr>
+          <p:cNvPr id="4" name="Picture 3"/>
+          <p:cNvPicPr>
+            <a:picLocks noChangeAspect="1"/>
+          </p:cNvPicPr>
+          <p:nvPr/>
+        </p:nvPicPr>
+        <p:blipFill>
+          <a:blip r:embed="rId2"/>
+          <a:stretch>
+            <a:fillRect/>
+          </a:stretch>
+        </p:blipFill>
+        <p:spPr>
+          <a:xfrm>
+            <a:off x="206060" y="131941"/>
+            <a:ext cx="11681140" cy="6567434"/>
+          </a:xfrm>
+          <a:prstGeom prst="rect">
+            <a:avLst/>
+          </a:prstGeom>
+        </p:spPr>
+      </p:pic>
+    </p:spTree>
+    <p:extLst>
+      <p:ext uri="{BB962C8B-B14F-4D97-AF65-F5344CB8AC3E}">
+        <p14:creationId xmlns:p14="http://schemas.microsoft.com/office/powerpoint/2010/main" val="1964716705"/>
+      </p:ext>
+    </p:extLst>
+  </p:cSld>
+  <p:clrMapOvr>
+    <a:masterClrMapping/>
+  </p:clrMapOvr>
+  <p:timing>
+    <p:tnLst>
+      <p:par>
+        <p:cTn id="1" dur="indefinite" restart="never" nodeType="tmRoot"/>
+      </p:par>
+    </p:tnLst>
+  </p:timing>
+</p:sld>
+</file>
+
+<file path=ppt/slides/slide13.xml><?xml version="1.0" encoding="utf-8"?>
+<p:sld xmlns:a="http://schemas.openxmlformats.org/drawingml/2006/main" xmlns:r="http://schemas.openxmlformats.org/officeDocument/2006/relationships" xmlns:p="http://schemas.openxmlformats.org/presentationml/2006/main">
+  <p:cSld>
+    <p:spTree>
+      <p:nvGrpSpPr>
+        <p:cNvPr id="1" name=""/>
+        <p:cNvGrpSpPr/>
+        <p:nvPr/>
+      </p:nvGrpSpPr>
+      <p:grpSpPr>
+        <a:xfrm>
+          <a:off x="0" y="0"/>
+          <a:ext cx="0" cy="0"/>
+          <a:chOff x="0" y="0"/>
+          <a:chExt cx="0" cy="0"/>
+        </a:xfrm>
+      </p:grpSpPr>
+      <p:pic>
+        <p:nvPicPr>
+          <p:cNvPr id="4" name="Picture 3"/>
+          <p:cNvPicPr>
+            <a:picLocks noChangeAspect="1"/>
+          </p:cNvPicPr>
+          <p:nvPr/>
+        </p:nvPicPr>
+        <p:blipFill>
+          <a:blip r:embed="rId2"/>
+          <a:stretch>
+            <a:fillRect/>
+          </a:stretch>
+        </p:blipFill>
+        <p:spPr>
+          <a:xfrm>
+            <a:off x="347728" y="199852"/>
+            <a:ext cx="11539471" cy="6487785"/>
+          </a:xfrm>
+          <a:prstGeom prst="rect">
+            <a:avLst/>
+          </a:prstGeom>
+        </p:spPr>
+      </p:pic>
+    </p:spTree>
+    <p:extLst>
+      <p:ext uri="{BB962C8B-B14F-4D97-AF65-F5344CB8AC3E}">
+        <p14:creationId xmlns:p14="http://schemas.microsoft.com/office/powerpoint/2010/main" val="3727124575"/>
+      </p:ext>
+    </p:extLst>
+  </p:cSld>
+  <p:clrMapOvr>
+    <a:masterClrMapping/>
+  </p:clrMapOvr>
+  <p:timing>
+    <p:tnLst>
+      <p:par>
+        <p:cTn id="1" dur="indefinite" restart="never" nodeType="tmRoot"/>
+      </p:par>
+    </p:tnLst>
+  </p:timing>
+</p:sld>
+</file>
+
+<file path=ppt/slides/slide14.xml><?xml version="1.0" encoding="utf-8"?>
+<p:sld xmlns:a="http://schemas.openxmlformats.org/drawingml/2006/main" xmlns:r="http://schemas.openxmlformats.org/officeDocument/2006/relationships" xmlns:p="http://schemas.openxmlformats.org/presentationml/2006/main">
+  <p:cSld>
+    <p:spTree>
+      <p:nvGrpSpPr>
+        <p:cNvPr id="1" name=""/>
+        <p:cNvGrpSpPr/>
+        <p:nvPr/>
+      </p:nvGrpSpPr>
+      <p:grpSpPr>
+        <a:xfrm>
+          <a:off x="0" y="0"/>
+          <a:ext cx="0" cy="0"/>
+          <a:chOff x="0" y="0"/>
+          <a:chExt cx="0" cy="0"/>
+        </a:xfrm>
+      </p:grpSpPr>
+      <p:pic>
+        <p:nvPicPr>
+          <p:cNvPr id="3074" name="Picture 2"/>
+          <p:cNvPicPr>
+            <a:picLocks noChangeAspect="1" noChangeArrowheads="1"/>
+          </p:cNvPicPr>
+          <p:nvPr/>
+        </p:nvPicPr>
+        <p:blipFill>
+          <a:blip r:embed="rId2">
+            <a:extLst>
+              <a:ext uri="{28A0092B-C50C-407E-A947-70E740481C1C}">
+                <a14:useLocalDpi xmlns:a14="http://schemas.microsoft.com/office/drawing/2010/main" val="0"/>
+              </a:ext>
+            </a:extLst>
+          </a:blip>
+          <a:srcRect/>
+          <a:stretch>
+            <a:fillRect/>
+          </a:stretch>
+        </p:blipFill>
+        <p:spPr bwMode="auto">
+          <a:xfrm>
+            <a:off x="167425" y="198752"/>
+            <a:ext cx="11874321" cy="6369473"/>
+          </a:xfrm>
+          <a:prstGeom prst="rect">
+            <a:avLst/>
+          </a:prstGeom>
+          <a:noFill/>
+          <a:ln>
+            <a:noFill/>
+          </a:ln>
+          <a:effectLst/>
+          <a:extLst>
+            <a:ext uri="{909E8E84-426E-40DD-AFC4-6F175D3DCCD1}">
+              <a14:hiddenFill xmlns:a14="http://schemas.microsoft.com/office/drawing/2010/main">
+                <a:solidFill>
+                  <a:schemeClr val="accent1"/>
+                </a:solidFill>
+              </a14:hiddenFill>
+            </a:ext>
+            <a:ext uri="{91240B29-F687-4F45-9708-019B960494DF}">
+              <a14:hiddenLine xmlns:a14="http://schemas.microsoft.com/office/drawing/2010/main" w="9525">
+                <a:solidFill>
+                  <a:schemeClr val="tx1"/>
+                </a:solidFill>
+                <a:miter lim="800000"/>
+                <a:headEnd/>
+                <a:tailEnd/>
+              </a14:hiddenLine>
+            </a:ext>
+            <a:ext uri="{AF507438-7753-43E0-B8FC-AC1667EBCBE1}">
+              <a14:hiddenEffects xmlns:a14="http://schemas.microsoft.com/office/drawing/2010/main">
+                <a:effectLst>
+                  <a:outerShdw dist="35921" dir="2700000" algn="ctr" rotWithShape="0">
+                    <a:schemeClr val="bg2"/>
+                  </a:outerShdw>
+                </a:effectLst>
+              </a14:hiddenEffects>
+            </a:ext>
+          </a:extLst>
+        </p:spPr>
+      </p:pic>
+    </p:spTree>
+    <p:extLst>
+      <p:ext uri="{BB962C8B-B14F-4D97-AF65-F5344CB8AC3E}">
+        <p14:creationId xmlns:p14="http://schemas.microsoft.com/office/powerpoint/2010/main" val="1718114958"/>
+      </p:ext>
+    </p:extLst>
+  </p:cSld>
+  <p:clrMapOvr>
+    <a:masterClrMapping/>
+  </p:clrMapOvr>
+  <p:timing>
+    <p:tnLst>
+      <p:par>
+        <p:cTn id="1" dur="indefinite" restart="never" nodeType="tmRoot"/>
+      </p:par>
+    </p:tnLst>
+  </p:timing>
+</p:sld>
+</file>
+
+<file path=ppt/slides/slide15.xml><?xml version="1.0" encoding="utf-8"?>
+<p:sld xmlns:a="http://schemas.openxmlformats.org/drawingml/2006/main" xmlns:r="http://schemas.openxmlformats.org/officeDocument/2006/relationships" xmlns:p="http://schemas.openxmlformats.org/presentationml/2006/main">
+  <p:cSld>
+    <p:spTree>
+      <p:nvGrpSpPr>
+        <p:cNvPr id="1" name=""/>
+        <p:cNvGrpSpPr/>
+        <p:nvPr/>
+      </p:nvGrpSpPr>
+      <p:grpSpPr>
+        <a:xfrm>
+          <a:off x="0" y="0"/>
+          <a:ext cx="0" cy="0"/>
+          <a:chOff x="0" y="0"/>
+          <a:chExt cx="0" cy="0"/>
+        </a:xfrm>
+      </p:grpSpPr>
+      <p:pic>
+        <p:nvPicPr>
+          <p:cNvPr id="4098" name="Picture 2"/>
+          <p:cNvPicPr>
+            <a:picLocks noChangeAspect="1" noChangeArrowheads="1"/>
+          </p:cNvPicPr>
+          <p:nvPr/>
+        </p:nvPicPr>
+        <p:blipFill>
+          <a:blip r:embed="rId2">
+            <a:extLst>
+              <a:ext uri="{28A0092B-C50C-407E-A947-70E740481C1C}">
+                <a14:useLocalDpi xmlns:a14="http://schemas.microsoft.com/office/drawing/2010/main" val="0"/>
+              </a:ext>
+            </a:extLst>
+          </a:blip>
+          <a:srcRect/>
+          <a:stretch>
+            <a:fillRect/>
+          </a:stretch>
+        </p:blipFill>
+        <p:spPr bwMode="auto">
+          <a:xfrm>
+            <a:off x="386366" y="338138"/>
+            <a:ext cx="11423561" cy="6181725"/>
+          </a:xfrm>
+          <a:prstGeom prst="rect">
+            <a:avLst/>
+          </a:prstGeom>
+          <a:noFill/>
+          <a:ln>
+            <a:noFill/>
+          </a:ln>
+          <a:effectLst/>
+          <a:extLst>
+            <a:ext uri="{909E8E84-426E-40DD-AFC4-6F175D3DCCD1}">
+              <a14:hiddenFill xmlns:a14="http://schemas.microsoft.com/office/drawing/2010/main">
+                <a:solidFill>
+                  <a:schemeClr val="accent1"/>
+                </a:solidFill>
+              </a14:hiddenFill>
+            </a:ext>
+            <a:ext uri="{91240B29-F687-4F45-9708-019B960494DF}">
+              <a14:hiddenLine xmlns:a14="http://schemas.microsoft.com/office/drawing/2010/main" w="9525">
+                <a:solidFill>
+                  <a:schemeClr val="tx1"/>
+                </a:solidFill>
+                <a:miter lim="800000"/>
+                <a:headEnd/>
+                <a:tailEnd/>
+              </a14:hiddenLine>
+            </a:ext>
+            <a:ext uri="{AF507438-7753-43E0-B8FC-AC1667EBCBE1}">
+              <a14:hiddenEffects xmlns:a14="http://schemas.microsoft.com/office/drawing/2010/main">
+                <a:effectLst>
+                  <a:outerShdw dist="35921" dir="2700000" algn="ctr" rotWithShape="0">
+                    <a:schemeClr val="bg2"/>
+                  </a:outerShdw>
+                </a:effectLst>
+              </a14:hiddenEffects>
+            </a:ext>
+          </a:extLst>
+        </p:spPr>
+      </p:pic>
+    </p:spTree>
+    <p:extLst>
+      <p:ext uri="{BB962C8B-B14F-4D97-AF65-F5344CB8AC3E}">
+        <p14:creationId xmlns:p14="http://schemas.microsoft.com/office/powerpoint/2010/main" val="85038685"/>
+      </p:ext>
+    </p:extLst>
+  </p:cSld>
+  <p:clrMapOvr>
+    <a:masterClrMapping/>
+  </p:clrMapOvr>
+  <p:timing>
+    <p:tnLst>
+      <p:par>
+        <p:cTn id="1" dur="indefinite" restart="never" nodeType="tmRoot"/>
+      </p:par>
+    </p:tnLst>
+  </p:timing>
+</p:sld>
+</file>
+
+<file path=ppt/slides/slide16.xml><?xml version="1.0" encoding="utf-8"?>
+<p:sld xmlns:a="http://schemas.openxmlformats.org/drawingml/2006/main" xmlns:r="http://schemas.openxmlformats.org/officeDocument/2006/relationships" xmlns:p="http://schemas.openxmlformats.org/presentationml/2006/main">
+  <p:cSld>
+    <p:spTree>
+      <p:nvGrpSpPr>
+        <p:cNvPr id="1" name=""/>
+        <p:cNvGrpSpPr/>
+        <p:nvPr/>
+      </p:nvGrpSpPr>
+      <p:grpSpPr>
+        <a:xfrm>
+          <a:off x="0" y="0"/>
+          <a:ext cx="0" cy="0"/>
+          <a:chOff x="0" y="0"/>
+          <a:chExt cx="0" cy="0"/>
+        </a:xfrm>
+      </p:grpSpPr>
+      <p:sp>
+        <p:nvSpPr>
+          <p:cNvPr id="4" name="Rectangle 3"/>
+          <p:cNvSpPr/>
+          <p:nvPr/>
+        </p:nvSpPr>
+        <p:spPr>
+          <a:xfrm>
+            <a:off x="0" y="2073498"/>
+            <a:ext cx="12192000" cy="1938992"/>
+          </a:xfrm>
+          <a:prstGeom prst="rect">
+            <a:avLst/>
+          </a:prstGeom>
+        </p:spPr>
+        <p:txBody>
+          <a:bodyPr wrap="square">
+            <a:spAutoFit/>
+          </a:bodyPr>
+          <a:lstStyle/>
+          <a:p>
+            <a:pPr algn="ctr"/>
+            <a:r>
+              <a:rPr lang="en-IN" sz="6000" dirty="0">
+                <a:solidFill>
+                  <a:schemeClr val="bg1">
+                    <a:lumMod val="50000"/>
+                  </a:schemeClr>
+                </a:solidFill>
+                <a:effectLst>
+                  <a:outerShdw blurRad="50902" dist="38494" dir="13500000" sx="0" sy="0">
+                    <a:srgbClr val="000000">
+                      <a:alpha val="60000"/>
+                    </a:srgbClr>
+                  </a:outerShdw>
+                </a:effectLst>
+                <a:latin typeface="Book Antiqua" pitchFamily="18" charset="0"/>
+              </a:rPr>
+              <a:t>Artificial </a:t>
+            </a:r>
+            <a:r>
+              <a:rPr lang="en-IN" sz="6000" dirty="0" smtClean="0">
+                <a:solidFill>
+                  <a:schemeClr val="bg1">
+                    <a:lumMod val="50000"/>
+                  </a:schemeClr>
+                </a:solidFill>
+                <a:effectLst>
+                  <a:outerShdw blurRad="50902" dist="38494" dir="13500000" sx="0" sy="0">
+                    <a:srgbClr val="000000">
+                      <a:alpha val="60000"/>
+                    </a:srgbClr>
+                  </a:outerShdw>
+                </a:effectLst>
+                <a:latin typeface="Book Antiqua" pitchFamily="18" charset="0"/>
+              </a:rPr>
+              <a:t>Intelligence (AI) </a:t>
+            </a:r>
+            <a:r>
+              <a:rPr lang="en-IN" sz="6000" dirty="0">
+                <a:solidFill>
+                  <a:schemeClr val="bg1">
+                    <a:lumMod val="50000"/>
+                  </a:schemeClr>
+                </a:solidFill>
+                <a:effectLst>
+                  <a:outerShdw blurRad="50902" dist="38494" dir="13500000" sx="0" sy="0">
+                    <a:srgbClr val="000000">
+                      <a:alpha val="60000"/>
+                    </a:srgbClr>
+                  </a:outerShdw>
+                </a:effectLst>
+                <a:latin typeface="Book Antiqua" pitchFamily="18" charset="0"/>
+              </a:rPr>
+              <a:t>uses</a:t>
+            </a:r>
+            <a:endParaRPr lang="en-IN" sz="6000" dirty="0">
+              <a:solidFill>
+                <a:schemeClr val="bg1">
+                  <a:lumMod val="50000"/>
+                </a:schemeClr>
+              </a:solidFill>
+              <a:latin typeface="Book Antiqua" pitchFamily="18" charset="0"/>
+            </a:endParaRPr>
+          </a:p>
+          <a:p>
+            <a:pPr algn="ctr"/>
+            <a:r>
+              <a:rPr lang="en-IN" sz="6000" dirty="0">
+                <a:solidFill>
+                  <a:schemeClr val="bg1">
+                    <a:lumMod val="50000"/>
+                  </a:schemeClr>
+                </a:solidFill>
+                <a:effectLst>
+                  <a:outerShdw blurRad="50902" dist="38494" dir="13500000" sx="0" sy="0">
+                    <a:srgbClr val="000000">
+                      <a:alpha val="60000"/>
+                    </a:srgbClr>
+                  </a:outerShdw>
+                </a:effectLst>
+                <a:latin typeface="Book Antiqua" pitchFamily="18" charset="0"/>
+              </a:rPr>
+              <a:t>Web Services for Communication</a:t>
+            </a:r>
+            <a:endParaRPr lang="en-IN" sz="6000" dirty="0">
+              <a:solidFill>
+                <a:schemeClr val="bg1">
+                  <a:lumMod val="50000"/>
+                </a:schemeClr>
+              </a:solidFill>
+              <a:latin typeface="Book Antiqua" pitchFamily="18" charset="0"/>
+            </a:endParaRPr>
+          </a:p>
+        </p:txBody>
+      </p:sp>
+    </p:spTree>
+    <p:extLst>
+      <p:ext uri="{BB962C8B-B14F-4D97-AF65-F5344CB8AC3E}">
+        <p14:creationId xmlns:p14="http://schemas.microsoft.com/office/powerpoint/2010/main" val="1779214439"/>
       </p:ext>
     </p:extLst>
   </p:cSld>
@@ -3034,70 +3792,176 @@
       </p:grpSpPr>
       <p:sp>
         <p:nvSpPr>
-          <p:cNvPr id="2" name="Title 1"/>
-          <p:cNvSpPr>
-            <a:spLocks noGrp="1"/>
-          </p:cNvSpPr>
-          <p:nvPr>
-            <p:ph type="title"/>
-          </p:nvPr>
-        </p:nvSpPr>
-        <p:spPr/>
-        <p:txBody>
-          <a:bodyPr/>
-          <a:lstStyle/>
-          <a:p>
-            <a:endParaRPr lang="en-US"/>
-          </a:p>
-        </p:txBody>
-      </p:sp>
-      <p:sp>
-        <p:nvSpPr>
-          <p:cNvPr id="3" name="Content Placeholder 2"/>
-          <p:cNvSpPr>
-            <a:spLocks noGrp="1"/>
-          </p:cNvSpPr>
-          <p:nvPr>
-            <p:ph idx="1"/>
-          </p:nvPr>
-        </p:nvSpPr>
-        <p:spPr/>
-        <p:txBody>
-          <a:bodyPr/>
-          <a:lstStyle/>
-          <a:p>
-            <a:endParaRPr lang="en-US"/>
-          </a:p>
-        </p:txBody>
-      </p:sp>
-      <p:pic>
-        <p:nvPicPr>
-          <p:cNvPr id="4" name="Picture 3"/>
-          <p:cNvPicPr>
-            <a:picLocks noChangeAspect="1"/>
-          </p:cNvPicPr>
+          <p:cNvPr id="4" name="Rectangle 3"/>
+          <p:cNvSpPr/>
           <p:nvPr/>
-        </p:nvPicPr>
-        <p:blipFill>
-          <a:blip r:embed="rId2"/>
-          <a:stretch>
-            <a:fillRect/>
-          </a:stretch>
-        </p:blipFill>
+        </p:nvSpPr>
         <p:spPr>
           <a:xfrm>
-            <a:off x="-409575" y="-228600"/>
-            <a:ext cx="13011150" cy="7315200"/>
+            <a:off x="399244" y="631065"/>
+            <a:ext cx="11101589" cy="3785652"/>
           </a:xfrm>
           <a:prstGeom prst="rect">
             <a:avLst/>
           </a:prstGeom>
         </p:spPr>
-      </p:pic>
+        <p:txBody>
+          <a:bodyPr wrap="square">
+            <a:spAutoFit/>
+          </a:bodyPr>
+          <a:lstStyle/>
+          <a:p>
+            <a:pPr algn="ctr"/>
+            <a:r>
+              <a:rPr lang="en-IN" sz="6000" b="1" u="sng" dirty="0" smtClean="0">
+                <a:solidFill>
+                  <a:schemeClr val="bg1">
+                    <a:lumMod val="50000"/>
+                  </a:schemeClr>
+                </a:solidFill>
+                <a:effectLst>
+                  <a:outerShdw blurRad="50902" dist="38494" dir="13500000" sx="0" sy="0">
+                    <a:srgbClr val="000000">
+                      <a:alpha val="60000"/>
+                    </a:srgbClr>
+                  </a:outerShdw>
+                </a:effectLst>
+                <a:latin typeface="Book Antiqua" pitchFamily="18" charset="0"/>
+              </a:rPr>
+              <a:t>“Web Services”</a:t>
+            </a:r>
+          </a:p>
+          <a:p>
+            <a:endParaRPr lang="en-IN" sz="6000" b="1" u="sng" dirty="0" smtClean="0">
+              <a:solidFill>
+                <a:schemeClr val="bg1">
+                  <a:lumMod val="50000"/>
+                </a:schemeClr>
+              </a:solidFill>
+              <a:effectLst>
+                <a:outerShdw blurRad="50902" dist="38494" dir="13500000" sx="0" sy="0">
+                  <a:srgbClr val="000000">
+                    <a:alpha val="60000"/>
+                  </a:srgbClr>
+                </a:outerShdw>
+              </a:effectLst>
+              <a:latin typeface="Book Antiqua" pitchFamily="18" charset="0"/>
+            </a:endParaRPr>
+          </a:p>
+          <a:p>
+            <a:r>
+              <a:rPr lang="en-IN" sz="6000" dirty="0" smtClean="0">
+                <a:solidFill>
+                  <a:schemeClr val="bg1">
+                    <a:lumMod val="50000"/>
+                  </a:schemeClr>
+                </a:solidFill>
+                <a:effectLst>
+                  <a:outerShdw blurRad="50902" dist="38494" dir="13500000" sx="0" sy="0">
+                    <a:srgbClr val="000000">
+                      <a:alpha val="60000"/>
+                    </a:srgbClr>
+                  </a:outerShdw>
+                </a:effectLst>
+                <a:latin typeface="Book Antiqua" pitchFamily="18" charset="0"/>
+              </a:rPr>
+              <a:t>1. </a:t>
+            </a:r>
+            <a:r>
+              <a:rPr lang="en-IN" sz="6000" dirty="0" smtClean="0">
+                <a:solidFill>
+                  <a:srgbClr val="FF0000"/>
+                </a:solidFill>
+                <a:effectLst>
+                  <a:outerShdw blurRad="50902" dist="38494" dir="13500000" sx="0" sy="0">
+                    <a:srgbClr val="000000">
+                      <a:alpha val="60000"/>
+                    </a:srgbClr>
+                  </a:outerShdw>
+                </a:effectLst>
+                <a:latin typeface="Book Antiqua" pitchFamily="18" charset="0"/>
+              </a:rPr>
+              <a:t>What</a:t>
+            </a:r>
+            <a:r>
+              <a:rPr lang="en-IN" sz="6000" dirty="0" smtClean="0">
+                <a:solidFill>
+                  <a:schemeClr val="bg1">
+                    <a:lumMod val="50000"/>
+                  </a:schemeClr>
+                </a:solidFill>
+                <a:effectLst>
+                  <a:outerShdw blurRad="50902" dist="38494" dir="13500000" sx="0" sy="0">
+                    <a:srgbClr val="000000">
+                      <a:alpha val="60000"/>
+                    </a:srgbClr>
+                  </a:outerShdw>
+                </a:effectLst>
+                <a:latin typeface="Book Antiqua" pitchFamily="18" charset="0"/>
+              </a:rPr>
+              <a:t> are Web Services ?</a:t>
+            </a:r>
+          </a:p>
+          <a:p>
+            <a:r>
+              <a:rPr lang="en-IN" sz="6000" dirty="0" smtClean="0">
+                <a:solidFill>
+                  <a:schemeClr val="bg1">
+                    <a:lumMod val="50000"/>
+                  </a:schemeClr>
+                </a:solidFill>
+                <a:effectLst>
+                  <a:outerShdw blurRad="50902" dist="38494" dir="13500000" sx="0" sy="0">
+                    <a:srgbClr val="000000">
+                      <a:alpha val="60000"/>
+                    </a:srgbClr>
+                  </a:outerShdw>
+                </a:effectLst>
+                <a:latin typeface="Book Antiqua" pitchFamily="18" charset="0"/>
+              </a:rPr>
+              <a:t>2. </a:t>
+            </a:r>
+            <a:r>
+              <a:rPr lang="en-IN" sz="6000" dirty="0" smtClean="0">
+                <a:solidFill>
+                  <a:srgbClr val="FF0000"/>
+                </a:solidFill>
+                <a:effectLst>
+                  <a:outerShdw blurRad="50902" dist="38494" dir="13500000" sx="0" sy="0">
+                    <a:srgbClr val="000000">
+                      <a:alpha val="60000"/>
+                    </a:srgbClr>
+                  </a:outerShdw>
+                </a:effectLst>
+                <a:latin typeface="Book Antiqua" pitchFamily="18" charset="0"/>
+              </a:rPr>
+              <a:t>Why</a:t>
+            </a:r>
+            <a:r>
+              <a:rPr lang="en-IN" sz="6000" dirty="0" smtClean="0">
+                <a:solidFill>
+                  <a:schemeClr val="bg1">
+                    <a:lumMod val="50000"/>
+                  </a:schemeClr>
+                </a:solidFill>
+                <a:effectLst>
+                  <a:outerShdw blurRad="50902" dist="38494" dir="13500000" sx="0" sy="0">
+                    <a:srgbClr val="000000">
+                      <a:alpha val="60000"/>
+                    </a:srgbClr>
+                  </a:outerShdw>
+                </a:effectLst>
+                <a:latin typeface="Book Antiqua" pitchFamily="18" charset="0"/>
+              </a:rPr>
+              <a:t> Web Services ?</a:t>
+            </a:r>
+          </a:p>
+        </p:txBody>
+      </p:sp>
     </p:spTree>
     <p:extLst>
       <p:ext uri="{BB962C8B-B14F-4D97-AF65-F5344CB8AC3E}">
-        <p14:creationId xmlns:p14="http://schemas.microsoft.com/office/powerpoint/2010/main" val="1013540778"/>
+        <p14:creationId xmlns:p14="http://schemas.microsoft.com/office/powerpoint/2010/main" val="3931257909"/>
       </p:ext>
     </p:extLst>
   </p:cSld>
@@ -3131,44 +3995,6 @@
           <a:chExt cx="0" cy="0"/>
         </a:xfrm>
       </p:grpSpPr>
-      <p:sp>
-        <p:nvSpPr>
-          <p:cNvPr id="2" name="Title 1"/>
-          <p:cNvSpPr>
-            <a:spLocks noGrp="1"/>
-          </p:cNvSpPr>
-          <p:nvPr>
-            <p:ph type="title"/>
-          </p:nvPr>
-        </p:nvSpPr>
-        <p:spPr/>
-        <p:txBody>
-          <a:bodyPr/>
-          <a:lstStyle/>
-          <a:p>
-            <a:endParaRPr lang="en-US"/>
-          </a:p>
-        </p:txBody>
-      </p:sp>
-      <p:sp>
-        <p:nvSpPr>
-          <p:cNvPr id="3" name="Content Placeholder 2"/>
-          <p:cNvSpPr>
-            <a:spLocks noGrp="1"/>
-          </p:cNvSpPr>
-          <p:nvPr>
-            <p:ph idx="1"/>
-          </p:nvPr>
-        </p:nvSpPr>
-        <p:spPr/>
-        <p:txBody>
-          <a:bodyPr/>
-          <a:lstStyle/>
-          <a:p>
-            <a:endParaRPr lang="en-US"/>
-          </a:p>
-        </p:txBody>
-      </p:sp>
       <p:pic>
         <p:nvPicPr>
           <p:cNvPr id="4" name="Picture 3"/>
@@ -3185,8 +4011,8 @@
         </p:blipFill>
         <p:spPr>
           <a:xfrm>
-            <a:off x="-409575" y="-228600"/>
-            <a:ext cx="13011150" cy="7315200"/>
+            <a:off x="218940" y="115910"/>
+            <a:ext cx="11791324" cy="6632620"/>
           </a:xfrm>
           <a:prstGeom prst="rect">
             <a:avLst/>
@@ -3196,7 +4022,7 @@
     </p:spTree>
     <p:extLst>
       <p:ext uri="{BB962C8B-B14F-4D97-AF65-F5344CB8AC3E}">
-        <p14:creationId xmlns:p14="http://schemas.microsoft.com/office/powerpoint/2010/main" val="3928177756"/>
+        <p14:creationId xmlns:p14="http://schemas.microsoft.com/office/powerpoint/2010/main" val="1013540778"/>
       </p:ext>
     </p:extLst>
   </p:cSld>
@@ -3246,8 +4072,8 @@
         </p:blipFill>
         <p:spPr>
           <a:xfrm>
-            <a:off x="-409575" y="-228600"/>
-            <a:ext cx="13011150" cy="7315200"/>
+            <a:off x="296214" y="141668"/>
+            <a:ext cx="11659637" cy="6555346"/>
           </a:xfrm>
           <a:prstGeom prst="rect">
             <a:avLst/>
@@ -3257,7 +4083,7 @@
     </p:spTree>
     <p:extLst>
       <p:ext uri="{BB962C8B-B14F-4D97-AF65-F5344CB8AC3E}">
-        <p14:creationId xmlns:p14="http://schemas.microsoft.com/office/powerpoint/2010/main" val="2208391193"/>
+        <p14:creationId xmlns:p14="http://schemas.microsoft.com/office/powerpoint/2010/main" val="3928177756"/>
       </p:ext>
     </p:extLst>
   </p:cSld>
@@ -3291,44 +4117,6 @@
           <a:chExt cx="0" cy="0"/>
         </a:xfrm>
       </p:grpSpPr>
-      <p:sp>
-        <p:nvSpPr>
-          <p:cNvPr id="2" name="Title 1"/>
-          <p:cNvSpPr>
-            <a:spLocks noGrp="1"/>
-          </p:cNvSpPr>
-          <p:nvPr>
-            <p:ph type="title"/>
-          </p:nvPr>
-        </p:nvSpPr>
-        <p:spPr/>
-        <p:txBody>
-          <a:bodyPr/>
-          <a:lstStyle/>
-          <a:p>
-            <a:endParaRPr lang="en-US"/>
-          </a:p>
-        </p:txBody>
-      </p:sp>
-      <p:sp>
-        <p:nvSpPr>
-          <p:cNvPr id="3" name="Content Placeholder 2"/>
-          <p:cNvSpPr>
-            <a:spLocks noGrp="1"/>
-          </p:cNvSpPr>
-          <p:nvPr>
-            <p:ph idx="1"/>
-          </p:nvPr>
-        </p:nvSpPr>
-        <p:spPr/>
-        <p:txBody>
-          <a:bodyPr/>
-          <a:lstStyle/>
-          <a:p>
-            <a:endParaRPr lang="en-US"/>
-          </a:p>
-        </p:txBody>
-      </p:sp>
       <p:pic>
         <p:nvPicPr>
           <p:cNvPr id="4" name="Picture 3"/>
@@ -3345,8 +4133,8 @@
         </p:blipFill>
         <p:spPr>
           <a:xfrm>
-            <a:off x="-409575" y="-228600"/>
-            <a:ext cx="13011150" cy="7315200"/>
+            <a:off x="344556" y="228098"/>
+            <a:ext cx="11516886" cy="6475087"/>
           </a:xfrm>
           <a:prstGeom prst="rect">
             <a:avLst/>
@@ -3356,7 +4144,7 @@
     </p:spTree>
     <p:extLst>
       <p:ext uri="{BB962C8B-B14F-4D97-AF65-F5344CB8AC3E}">
-        <p14:creationId xmlns:p14="http://schemas.microsoft.com/office/powerpoint/2010/main" val="3262501733"/>
+        <p14:creationId xmlns:p14="http://schemas.microsoft.com/office/powerpoint/2010/main" val="2208391193"/>
       </p:ext>
     </p:extLst>
   </p:cSld>
@@ -3390,44 +4178,6 @@
           <a:chExt cx="0" cy="0"/>
         </a:xfrm>
       </p:grpSpPr>
-      <p:sp>
-        <p:nvSpPr>
-          <p:cNvPr id="2" name="Title 1"/>
-          <p:cNvSpPr>
-            <a:spLocks noGrp="1"/>
-          </p:cNvSpPr>
-          <p:nvPr>
-            <p:ph type="title"/>
-          </p:nvPr>
-        </p:nvSpPr>
-        <p:spPr/>
-        <p:txBody>
-          <a:bodyPr/>
-          <a:lstStyle/>
-          <a:p>
-            <a:endParaRPr lang="en-US"/>
-          </a:p>
-        </p:txBody>
-      </p:sp>
-      <p:sp>
-        <p:nvSpPr>
-          <p:cNvPr id="3" name="Content Placeholder 2"/>
-          <p:cNvSpPr>
-            <a:spLocks noGrp="1"/>
-          </p:cNvSpPr>
-          <p:nvPr>
-            <p:ph idx="1"/>
-          </p:nvPr>
-        </p:nvSpPr>
-        <p:spPr/>
-        <p:txBody>
-          <a:bodyPr/>
-          <a:lstStyle/>
-          <a:p>
-            <a:endParaRPr lang="en-US"/>
-          </a:p>
-        </p:txBody>
-      </p:sp>
       <p:pic>
         <p:nvPicPr>
           <p:cNvPr id="4" name="Picture 3"/>
@@ -3444,8 +4194,8 @@
         </p:blipFill>
         <p:spPr>
           <a:xfrm>
-            <a:off x="-409575" y="-228600"/>
-            <a:ext cx="13011150" cy="7315200"/>
+            <a:off x="360608" y="192122"/>
+            <a:ext cx="11410681" cy="6415376"/>
           </a:xfrm>
           <a:prstGeom prst="rect">
             <a:avLst/>
@@ -3455,7 +4205,7 @@
     </p:spTree>
     <p:extLst>
       <p:ext uri="{BB962C8B-B14F-4D97-AF65-F5344CB8AC3E}">
-        <p14:creationId xmlns:p14="http://schemas.microsoft.com/office/powerpoint/2010/main" val="1964716705"/>
+        <p14:creationId xmlns:p14="http://schemas.microsoft.com/office/powerpoint/2010/main" val="3262501733"/>
       </p:ext>
     </p:extLst>
   </p:cSld>
@@ -3489,72 +4239,74 @@
           <a:chExt cx="0" cy="0"/>
         </a:xfrm>
       </p:grpSpPr>
-      <p:sp>
-        <p:nvSpPr>
-          <p:cNvPr id="2" name="Title 1"/>
-          <p:cNvSpPr>
-            <a:spLocks noGrp="1"/>
-          </p:cNvSpPr>
-          <p:nvPr>
-            <p:ph type="title"/>
-          </p:nvPr>
-        </p:nvSpPr>
-        <p:spPr/>
-        <p:txBody>
-          <a:bodyPr/>
-          <a:lstStyle/>
-          <a:p>
-            <a:endParaRPr lang="en-US"/>
-          </a:p>
-        </p:txBody>
-      </p:sp>
-      <p:sp>
-        <p:nvSpPr>
-          <p:cNvPr id="3" name="Content Placeholder 2"/>
-          <p:cNvSpPr>
-            <a:spLocks noGrp="1"/>
-          </p:cNvSpPr>
-          <p:nvPr>
-            <p:ph idx="1"/>
-          </p:nvPr>
-        </p:nvSpPr>
-        <p:spPr/>
-        <p:txBody>
-          <a:bodyPr/>
-          <a:lstStyle/>
-          <a:p>
-            <a:endParaRPr lang="en-US"/>
-          </a:p>
-        </p:txBody>
-      </p:sp>
       <p:pic>
         <p:nvPicPr>
-          <p:cNvPr id="4" name="Picture 3"/>
+          <p:cNvPr id="1026" name="Picture 2"/>
           <p:cNvPicPr>
-            <a:picLocks noChangeAspect="1"/>
+            <a:picLocks noChangeAspect="1" noChangeArrowheads="1"/>
           </p:cNvPicPr>
           <p:nvPr/>
         </p:nvPicPr>
         <p:blipFill>
-          <a:blip r:embed="rId2"/>
+          <a:blip r:embed="rId2">
+            <a:extLst>
+              <a:ext uri="{28A0092B-C50C-407E-A947-70E740481C1C}">
+                <a14:useLocalDpi xmlns:a14="http://schemas.microsoft.com/office/drawing/2010/main" val="0"/>
+              </a:ext>
+            </a:extLst>
+          </a:blip>
+          <a:srcRect/>
           <a:stretch>
             <a:fillRect/>
           </a:stretch>
         </p:blipFill>
-        <p:spPr>
+        <p:spPr bwMode="auto">
           <a:xfrm>
-            <a:off x="-409575" y="-228600"/>
-            <a:ext cx="13011150" cy="7315200"/>
+            <a:off x="128789" y="214313"/>
+            <a:ext cx="11771290" cy="6429375"/>
           </a:xfrm>
           <a:prstGeom prst="rect">
             <a:avLst/>
           </a:prstGeom>
+          <a:noFill/>
+          <a:ln>
+            <a:noFill/>
+          </a:ln>
+          <a:effectLst/>
+          <a:extLst>
+            <a:ext uri="{909E8E84-426E-40DD-AFC4-6F175D3DCCD1}">
+              <a14:hiddenFill xmlns:a14="http://schemas.microsoft.com/office/drawing/2010/main">
+                <a:solidFill>
+                  <a:schemeClr val="accent1"/>
+                </a:solidFill>
+              </a14:hiddenFill>
+            </a:ext>
+            <a:ext uri="{91240B29-F687-4F45-9708-019B960494DF}">
+              <a14:hiddenLine xmlns:a14="http://schemas.microsoft.com/office/drawing/2010/main" w="9525">
+                <a:solidFill>
+                  <a:schemeClr val="tx1"/>
+                </a:solidFill>
+                <a:miter lim="800000"/>
+                <a:headEnd/>
+                <a:tailEnd/>
+              </a14:hiddenLine>
+            </a:ext>
+            <a:ext uri="{AF507438-7753-43E0-B8FC-AC1667EBCBE1}">
+              <a14:hiddenEffects xmlns:a14="http://schemas.microsoft.com/office/drawing/2010/main">
+                <a:effectLst>
+                  <a:outerShdw dist="35921" dir="2700000" algn="ctr" rotWithShape="0">
+                    <a:schemeClr val="bg2"/>
+                  </a:outerShdw>
+                </a:effectLst>
+              </a14:hiddenEffects>
+            </a:ext>
+          </a:extLst>
         </p:spPr>
       </p:pic>
     </p:spTree>
     <p:extLst>
       <p:ext uri="{BB962C8B-B14F-4D97-AF65-F5344CB8AC3E}">
-        <p14:creationId xmlns:p14="http://schemas.microsoft.com/office/powerpoint/2010/main" val="3727124575"/>
+        <p14:creationId xmlns:p14="http://schemas.microsoft.com/office/powerpoint/2010/main" val="2491132451"/>
       </p:ext>
     </p:extLst>
   </p:cSld>
@@ -3588,44 +4340,107 @@
           <a:chExt cx="0" cy="0"/>
         </a:xfrm>
       </p:grpSpPr>
-      <p:sp>
-        <p:nvSpPr>
-          <p:cNvPr id="2" name="Title 1"/>
-          <p:cNvSpPr>
-            <a:spLocks noGrp="1"/>
-          </p:cNvSpPr>
-          <p:nvPr>
-            <p:ph type="title"/>
-          </p:nvPr>
-        </p:nvSpPr>
-        <p:spPr/>
-        <p:txBody>
-          <a:bodyPr/>
-          <a:lstStyle/>
-          <a:p>
-            <a:endParaRPr lang="en-US"/>
-          </a:p>
-        </p:txBody>
-      </p:sp>
-      <p:sp>
-        <p:nvSpPr>
-          <p:cNvPr id="3" name="Content Placeholder 2"/>
-          <p:cNvSpPr>
-            <a:spLocks noGrp="1"/>
-          </p:cNvSpPr>
-          <p:nvPr>
-            <p:ph idx="1"/>
-          </p:nvPr>
-        </p:nvSpPr>
-        <p:spPr/>
-        <p:txBody>
-          <a:bodyPr/>
-          <a:lstStyle/>
-          <a:p>
-            <a:endParaRPr lang="en-US"/>
-          </a:p>
-        </p:txBody>
-      </p:sp>
+      <p:pic>
+        <p:nvPicPr>
+          <p:cNvPr id="2050" name="Picture 2"/>
+          <p:cNvPicPr>
+            <a:picLocks noChangeAspect="1" noChangeArrowheads="1"/>
+          </p:cNvPicPr>
+          <p:nvPr/>
+        </p:nvPicPr>
+        <p:blipFill>
+          <a:blip r:embed="rId2">
+            <a:extLst>
+              <a:ext uri="{28A0092B-C50C-407E-A947-70E740481C1C}">
+                <a14:useLocalDpi xmlns:a14="http://schemas.microsoft.com/office/drawing/2010/main" val="0"/>
+              </a:ext>
+            </a:extLst>
+          </a:blip>
+          <a:srcRect/>
+          <a:stretch>
+            <a:fillRect/>
+          </a:stretch>
+        </p:blipFill>
+        <p:spPr bwMode="auto">
+          <a:xfrm>
+            <a:off x="364900" y="236705"/>
+            <a:ext cx="11496541" cy="6463649"/>
+          </a:xfrm>
+          <a:prstGeom prst="rect">
+            <a:avLst/>
+          </a:prstGeom>
+          <a:noFill/>
+          <a:ln>
+            <a:noFill/>
+          </a:ln>
+          <a:effectLst/>
+          <a:extLst>
+            <a:ext uri="{909E8E84-426E-40DD-AFC4-6F175D3DCCD1}">
+              <a14:hiddenFill xmlns:a14="http://schemas.microsoft.com/office/drawing/2010/main">
+                <a:solidFill>
+                  <a:schemeClr val="accent1"/>
+                </a:solidFill>
+              </a14:hiddenFill>
+            </a:ext>
+            <a:ext uri="{91240B29-F687-4F45-9708-019B960494DF}">
+              <a14:hiddenLine xmlns:a14="http://schemas.microsoft.com/office/drawing/2010/main" w="9525">
+                <a:solidFill>
+                  <a:schemeClr val="tx1"/>
+                </a:solidFill>
+                <a:miter lim="800000"/>
+                <a:headEnd/>
+                <a:tailEnd/>
+              </a14:hiddenLine>
+            </a:ext>
+            <a:ext uri="{AF507438-7753-43E0-B8FC-AC1667EBCBE1}">
+              <a14:hiddenEffects xmlns:a14="http://schemas.microsoft.com/office/drawing/2010/main">
+                <a:effectLst>
+                  <a:outerShdw dist="35921" dir="2700000" algn="ctr" rotWithShape="0">
+                    <a:schemeClr val="bg2"/>
+                  </a:outerShdw>
+                </a:effectLst>
+              </a14:hiddenEffects>
+            </a:ext>
+          </a:extLst>
+        </p:spPr>
+      </p:pic>
+    </p:spTree>
+    <p:extLst>
+      <p:ext uri="{BB962C8B-B14F-4D97-AF65-F5344CB8AC3E}">
+        <p14:creationId xmlns:p14="http://schemas.microsoft.com/office/powerpoint/2010/main" val="4065635403"/>
+      </p:ext>
+    </p:extLst>
+  </p:cSld>
+  <p:clrMapOvr>
+    <a:masterClrMapping/>
+  </p:clrMapOvr>
+  <p:timing>
+    <p:tnLst>
+      <p:par>
+        <p:cTn id="1" dur="indefinite" restart="never" nodeType="tmRoot"/>
+      </p:par>
+    </p:tnLst>
+  </p:timing>
+</p:sld>
+</file>
+
+<file path=ppt/slides/slide9.xml><?xml version="1.0" encoding="utf-8"?>
+<p:sld xmlns:a="http://schemas.openxmlformats.org/drawingml/2006/main" xmlns:r="http://schemas.openxmlformats.org/officeDocument/2006/relationships" xmlns:p="http://schemas.openxmlformats.org/presentationml/2006/main">
+  <p:cSld>
+    <p:spTree>
+      <p:nvGrpSpPr>
+        <p:cNvPr id="1" name=""/>
+        <p:cNvGrpSpPr/>
+        <p:nvPr/>
+      </p:nvGrpSpPr>
+      <p:grpSpPr>
+        <a:xfrm>
+          <a:off x="0" y="0"/>
+          <a:ext cx="0" cy="0"/>
+          <a:chOff x="0" y="0"/>
+          <a:chExt cx="0" cy="0"/>
+        </a:xfrm>
+      </p:grpSpPr>
       <p:pic>
         <p:nvPicPr>
           <p:cNvPr id="6" name="Picture 5"/>
@@ -3642,8 +4457,8 @@
         </p:blipFill>
         <p:spPr>
           <a:xfrm>
-            <a:off x="-409575" y="-228600"/>
-            <a:ext cx="13011150" cy="7315200"/>
+            <a:off x="334850" y="206063"/>
+            <a:ext cx="11493992" cy="6462215"/>
           </a:xfrm>
           <a:prstGeom prst="rect">
             <a:avLst/>
@@ -3653,7 +4468,7 @@
     </p:spTree>
     <p:extLst>
       <p:ext uri="{BB962C8B-B14F-4D97-AF65-F5344CB8AC3E}">
-        <p14:creationId xmlns:p14="http://schemas.microsoft.com/office/powerpoint/2010/main" val="3020453942"/>
+        <p14:creationId xmlns:p14="http://schemas.microsoft.com/office/powerpoint/2010/main" val="579267650"/>
       </p:ext>
     </p:extLst>
   </p:cSld>
@@ -3713,7 +4528,7 @@
     </a:clrScheme>
     <a:fontScheme name="Office">
       <a:majorFont>
-        <a:latin typeface="Calibri Light" panose="020F0302020204030204"/>
+        <a:latin typeface="Calibri Light"/>
         <a:ea typeface=""/>
         <a:cs typeface=""/>
         <a:font script="Jpan" typeface="ＭＳ Ｐゴシック"/>
@@ -3748,7 +4563,7 @@
         <a:font script="Geor" typeface="Sylfaen"/>
       </a:majorFont>
       <a:minorFont>
-        <a:latin typeface="Calibri" panose="020F0502020204030204"/>
+        <a:latin typeface="Calibri"/>
         <a:ea typeface=""/>
         <a:cs typeface=""/>
         <a:font script="Jpan" typeface="ＭＳ Ｐゴシック"/>
@@ -3925,7 +4740,7 @@
   <a:extraClrSchemeLst/>
   <a:extLst>
     <a:ext uri="{05A4C25C-085E-4340-85A3-A5531E510DB2}">
-      <thm15:themeFamily xmlns:thm15="http://schemas.microsoft.com/office/thememl/2012/main" name="Office Theme" id="{62F939B6-93AF-4DB8-9C6B-D6C7DFDC589F}" vid="{4A3C46E8-61CC-4603-A589-7422A47A8E4A}"/>
+      <thm15:themeFamily xmlns:thm15="http://schemas.microsoft.com/office/thememl/2012/main" xmlns="" name="Office Theme" id="{62F939B6-93AF-4DB8-9C6B-D6C7DFDC589F}" vid="{4A3C46E8-61CC-4603-A589-7422A47A8E4A}"/>
     </a:ext>
   </a:extLst>
 </a:theme>
